--- a/汽车电池/现状分析及诊断.pptx
+++ b/汽车电池/现状分析及诊断.pptx
@@ -2819,192 +2819,30 @@
         <p:nvPr/>
       </p:nvGrpSpPr>
       <p:grpSpPr/>
-      <p:sp>
-        <p:nvSpPr>
-          <p:cNvPr id="4" name="椭圆 3"/>
-          <p:cNvSpPr/>
+      <p:pic>
+        <p:nvPicPr>
+          <p:cNvPr id="2" name="图片 1" descr="特性"/>
+          <p:cNvPicPr>
+            <a:picLocks noChangeAspect="1"/>
+          </p:cNvPicPr>
           <p:nvPr/>
-        </p:nvSpPr>
+        </p:nvPicPr>
+        <p:blipFill>
+          <a:blip r:embed="rId1"/>
+          <a:stretch>
+            <a:fillRect/>
+          </a:stretch>
+        </p:blipFill>
         <p:spPr>
           <a:xfrm>
-            <a:off x="3187700" y="2188210"/>
-            <a:ext cx="1440000" cy="1440000"/>
+            <a:off x="2428240" y="-273050"/>
+            <a:ext cx="7396480" cy="7396480"/>
           </a:xfrm>
-          <a:prstGeom prst="ellipse">
+          <a:prstGeom prst="rect">
             <a:avLst/>
           </a:prstGeom>
-          <a:gradFill>
-            <a:gsLst>
-              <a:gs pos="92000">
-                <a:srgbClr val="E4E9EC">
-                  <a:alpha val="0"/>
-                </a:srgbClr>
-              </a:gs>
-              <a:gs pos="100000">
-                <a:srgbClr val="846C21"/>
-              </a:gs>
-            </a:gsLst>
-            <a:lin ang="5400000" scaled="0"/>
-          </a:gradFill>
-          <a:ln w="12700">
-            <a:gradFill>
-              <a:gsLst>
-                <a:gs pos="0">
-                  <a:srgbClr val="A4B2B3"/>
-                </a:gs>
-                <a:gs pos="74000">
-                  <a:schemeClr val="accent1">
-                    <a:lumMod val="45000"/>
-                    <a:lumOff val="55000"/>
-                  </a:schemeClr>
-                </a:gs>
-                <a:gs pos="83000">
-                  <a:schemeClr val="accent1">
-                    <a:lumMod val="45000"/>
-                    <a:lumOff val="55000"/>
-                  </a:schemeClr>
-                </a:gs>
-                <a:gs pos="100000">
-                  <a:schemeClr val="accent1">
-                    <a:lumMod val="30000"/>
-                    <a:lumOff val="70000"/>
-                  </a:schemeClr>
-                </a:gs>
-              </a:gsLst>
-              <a:path path="circle">
-                <a:fillToRect l="100000" t="100000"/>
-              </a:path>
-              <a:tileRect r="-100000" b="-100000"/>
-            </a:gradFill>
-          </a:ln>
-          <a:effectLst>
-            <a:outerShdw blurRad="152400" dist="317500" dir="5400000" sx="90000" sy="-19000" rotWithShape="0">
-              <a:prstClr val="black">
-                <a:alpha val="15000"/>
-              </a:prstClr>
-            </a:outerShdw>
-          </a:effectLst>
         </p:spPr>
-        <p:style>
-          <a:lnRef idx="2">
-            <a:schemeClr val="accent1">
-              <a:shade val="50000"/>
-            </a:schemeClr>
-          </a:lnRef>
-          <a:fillRef idx="1">
-            <a:schemeClr val="accent1"/>
-          </a:fillRef>
-          <a:effectRef idx="0">
-            <a:schemeClr val="accent1"/>
-          </a:effectRef>
-          <a:fontRef idx="minor">
-            <a:schemeClr val="lt1"/>
-          </a:fontRef>
-        </p:style>
-        <p:txBody>
-          <a:bodyPr rtlCol="0" anchor="ctr"/>
-          <a:p>
-            <a:pPr algn="ctr"/>
-            <a:endParaRPr lang="zh-CN" altLang="en-US"/>
-          </a:p>
-        </p:txBody>
-      </p:sp>
-      <p:sp>
-        <p:nvSpPr>
-          <p:cNvPr id="5" name="椭圆 4"/>
-          <p:cNvSpPr/>
-          <p:nvPr/>
-        </p:nvSpPr>
-        <p:spPr>
-          <a:xfrm>
-            <a:off x="3331210" y="2332355"/>
-            <a:ext cx="1152000" cy="1152000"/>
-          </a:xfrm>
-          <a:prstGeom prst="ellipse">
-            <a:avLst/>
-          </a:prstGeom>
-          <a:noFill/>
-          <a:ln w="19050">
-            <a:solidFill>
-              <a:schemeClr val="bg2">
-                <a:lumMod val="75000"/>
-              </a:schemeClr>
-            </a:solidFill>
-          </a:ln>
-        </p:spPr>
-        <p:style>
-          <a:lnRef idx="2">
-            <a:schemeClr val="accent1">
-              <a:shade val="50000"/>
-            </a:schemeClr>
-          </a:lnRef>
-          <a:fillRef idx="1">
-            <a:schemeClr val="accent1"/>
-          </a:fillRef>
-          <a:effectRef idx="0">
-            <a:schemeClr val="accent1"/>
-          </a:effectRef>
-          <a:fontRef idx="minor">
-            <a:schemeClr val="lt1"/>
-          </a:fontRef>
-        </p:style>
-        <p:txBody>
-          <a:bodyPr rtlCol="0" anchor="ctr"/>
-          <a:p>
-            <a:pPr algn="ctr"/>
-            <a:endParaRPr lang="zh-CN" altLang="en-US"/>
-          </a:p>
-        </p:txBody>
-      </p:sp>
-      <p:sp>
-        <p:nvSpPr>
-          <p:cNvPr id="6" name="椭圆 5"/>
-          <p:cNvSpPr/>
-          <p:nvPr/>
-        </p:nvSpPr>
-        <p:spPr>
-          <a:xfrm>
-            <a:off x="3366770" y="2368550"/>
-            <a:ext cx="1080000" cy="1080000"/>
-          </a:xfrm>
-          <a:prstGeom prst="ellipse">
-            <a:avLst/>
-          </a:prstGeom>
-          <a:solidFill>
-            <a:srgbClr val="6CFE15"/>
-          </a:solidFill>
-          <a:ln w="19050">
-            <a:solidFill>
-              <a:schemeClr val="bg2">
-                <a:lumMod val="75000"/>
-              </a:schemeClr>
-            </a:solidFill>
-          </a:ln>
-        </p:spPr>
-        <p:style>
-          <a:lnRef idx="2">
-            <a:schemeClr val="accent1">
-              <a:shade val="50000"/>
-            </a:schemeClr>
-          </a:lnRef>
-          <a:fillRef idx="1">
-            <a:schemeClr val="accent1"/>
-          </a:fillRef>
-          <a:effectRef idx="0">
-            <a:schemeClr val="accent1"/>
-          </a:effectRef>
-          <a:fontRef idx="minor">
-            <a:schemeClr val="lt1"/>
-          </a:fontRef>
-        </p:style>
-        <p:txBody>
-          <a:bodyPr rtlCol="0" anchor="ctr"/>
-          <a:p>
-            <a:pPr algn="ctr"/>
-            <a:endParaRPr lang="zh-CN" altLang="en-US"/>
-          </a:p>
-        </p:txBody>
-      </p:sp>
+      </p:pic>
     </p:spTree>
   </p:cSld>
   <p:clrMapOvr>
